--- a/Later/Exception/Exception_61/Java Exception Handling-Java Exception Handling Best Practices_Part4.pptx
+++ b/Later/Exception/Exception_61/Java Exception Handling-Java Exception Handling Best Practices_Part4.pptx
@@ -3978,7 +3978,7 @@
         <p:spPr>
           <a:xfrm>
             <a:off x="3097608" y="1233100"/>
-            <a:ext cx="3239861" cy="276999"/>
+            <a:ext cx="3079561" cy="276999"/>
           </a:xfrm>
           <a:prstGeom prst="rect">
             <a:avLst/>
@@ -4005,8 +4005,12 @@
           <a:lstStyle/>
           <a:p>
             <a:r>
+              <a:rPr lang="en-US" sz="1200" dirty="0" smtClean="0"/>
+              <a:t>Remember </a:t>
+            </a:r>
+            <a:r>
               <a:rPr lang="en-US" sz="1200" dirty="0"/>
-              <a:t>11) Remember “Throw early catch late” principle</a:t>
+              <a:t>“Throw early catch late” principle</a:t>
             </a:r>
           </a:p>
         </p:txBody>
@@ -4064,7 +4068,6 @@
               <a:rPr lang="en-US" sz="1200" dirty="0"/>
               <a:t>This principle implicitly says that you will be more likely to throw it in the low-level methods, where you will be checking if single values are null or not appropriate. And you will be making the exception climb the stack trace for quite several levels until you reach a sufficient level of abstraction to be able to handle the problem.</a:t>
             </a:r>
-            <a:endParaRPr lang="en-US" sz="1200" dirty="0"/>
           </a:p>
         </p:txBody>
       </p:sp>
@@ -4171,7 +4174,7 @@
         <p:spPr>
           <a:xfrm>
             <a:off x="2743200" y="980297"/>
-            <a:ext cx="3213700" cy="276999"/>
+            <a:ext cx="3053400" cy="276999"/>
           </a:xfrm>
           <a:prstGeom prst="rect">
             <a:avLst/>
@@ -4198,8 +4201,12 @@
           <a:lstStyle/>
           <a:p>
             <a:r>
+              <a:rPr lang="en-US" sz="1200" dirty="0" smtClean="0"/>
+              <a:t>Always </a:t>
+            </a:r>
+            <a:r>
               <a:rPr lang="en-US" sz="1200" dirty="0"/>
-              <a:t>12) Always clean up after handling the exception</a:t>
+              <a:t>clean up after handling the exception</a:t>
             </a:r>
           </a:p>
         </p:txBody>
@@ -4244,7 +4251,6 @@
               <a:rPr lang="en-US" sz="1200" dirty="0"/>
               <a:t>If you are using resources like database connections or network connections, make sure you clean them up. If the API you are invoking uses only unchecked exceptions, you should still clean up resources after use, with try – finally blocks. Inside try block access the resource and inside finally close the resource. Even if any exception occur in accessing the resource, then also resource will be closed gracefully.</a:t>
             </a:r>
-            <a:endParaRPr lang="en-US" sz="1200" dirty="0"/>
           </a:p>
         </p:txBody>
       </p:sp>
@@ -4345,7 +4351,7 @@
         <p:spPr>
           <a:xfrm>
             <a:off x="2743200" y="713599"/>
-            <a:ext cx="3286349" cy="276999"/>
+            <a:ext cx="3126049" cy="276999"/>
           </a:xfrm>
           <a:prstGeom prst="rect">
             <a:avLst/>
@@ -4372,8 +4378,12 @@
           <a:lstStyle/>
           <a:p>
             <a:r>
+              <a:rPr lang="en-US" sz="1200" dirty="0" smtClean="0"/>
+              <a:t>Throw </a:t>
+            </a:r>
+            <a:r>
               <a:rPr lang="en-US" sz="1200" dirty="0"/>
-              <a:t>13) Throw only relevant exception from a method</a:t>
+              <a:t>only relevant exception from a method</a:t>
             </a:r>
           </a:p>
         </p:txBody>
@@ -4418,7 +4428,6 @@
               <a:rPr lang="en-US" sz="1200" dirty="0"/>
               <a:t>Relevancy is important to keep application clean. A method which tries to read a file; if throws NullPointerException then it will not give any relevant information to user. Instead it will be better if such exception is wrapped inside custom exception e.g. NoSuchFileFoundException then it will be more useful for users of that method.</a:t>
             </a:r>
-            <a:endParaRPr lang="en-US" sz="1200" dirty="0"/>
           </a:p>
         </p:txBody>
       </p:sp>
@@ -4519,7 +4528,7 @@
         <p:spPr>
           <a:xfrm>
             <a:off x="2638733" y="1699139"/>
-            <a:ext cx="3790333" cy="276999"/>
+            <a:ext cx="3630033" cy="276999"/>
           </a:xfrm>
           <a:prstGeom prst="rect">
             <a:avLst/>
@@ -4546,8 +4555,12 @@
           <a:lstStyle/>
           <a:p>
             <a:r>
+              <a:rPr lang="en-US" sz="1200" dirty="0" smtClean="0"/>
+              <a:t>Never </a:t>
+            </a:r>
+            <a:r>
               <a:rPr lang="en-US" sz="1200" dirty="0"/>
-              <a:t>14) Never use exceptions for flow control in your program</a:t>
+              <a:t>use exceptions for flow control in your program</a:t>
             </a:r>
           </a:p>
         </p:txBody>
@@ -4592,7 +4605,6 @@
               <a:rPr lang="en-US" sz="1200" dirty="0"/>
               <a:t>We have read it many times but sometimes we keep seeing code in our project where developer tries to use exceptions for application logic. Never do that. It makes code hard to read, understand and ugly.</a:t>
             </a:r>
-            <a:endParaRPr lang="en-US" sz="1200" dirty="0"/>
           </a:p>
         </p:txBody>
       </p:sp>
@@ -4693,7 +4705,7 @@
         <p:spPr>
           <a:xfrm>
             <a:off x="2057400" y="575099"/>
-            <a:ext cx="5341912" cy="276999"/>
+            <a:ext cx="5103064" cy="276999"/>
           </a:xfrm>
           <a:prstGeom prst="rect">
             <a:avLst/>
@@ -4720,8 +4732,12 @@
           <a:lstStyle/>
           <a:p>
             <a:r>
+              <a:rPr lang="en-US" sz="1200" dirty="0" smtClean="0"/>
+              <a:t>Validate </a:t>
+            </a:r>
+            <a:r>
               <a:rPr lang="en-US" sz="1200" dirty="0"/>
-              <a:t>15) Validate user input to catch adverse conditions very early in request processing</a:t>
+              <a:t>user input to catch adverse conditions very early in request processing</a:t>
             </a:r>
           </a:p>
         </p:txBody>
